--- a/흐름도/흐름도 v1.0.0.pptx
+++ b/흐름도/흐름도 v1.0.0.pptx
@@ -244,7 +244,7 @@
           <a:p>
             <a:fld id="{81F043C2-6360-4342-A6E0-CAD964DE4C33}" type="datetimeFigureOut">
               <a:rPr lang="ko-KR" altLang="en-US" smtClean="0"/>
-              <a:t>2025-05-28</a:t>
+              <a:t>2025-06-05</a:t>
             </a:fld>
             <a:endParaRPr lang="ko-KR" altLang="en-US"/>
           </a:p>
@@ -414,7 +414,7 @@
           <a:p>
             <a:fld id="{81F043C2-6360-4342-A6E0-CAD964DE4C33}" type="datetimeFigureOut">
               <a:rPr lang="ko-KR" altLang="en-US" smtClean="0"/>
-              <a:t>2025-05-28</a:t>
+              <a:t>2025-06-05</a:t>
             </a:fld>
             <a:endParaRPr lang="ko-KR" altLang="en-US"/>
           </a:p>
@@ -594,7 +594,7 @@
           <a:p>
             <a:fld id="{81F043C2-6360-4342-A6E0-CAD964DE4C33}" type="datetimeFigureOut">
               <a:rPr lang="ko-KR" altLang="en-US" smtClean="0"/>
-              <a:t>2025-05-28</a:t>
+              <a:t>2025-06-05</a:t>
             </a:fld>
             <a:endParaRPr lang="ko-KR" altLang="en-US"/>
           </a:p>
@@ -764,7 +764,7 @@
           <a:p>
             <a:fld id="{81F043C2-6360-4342-A6E0-CAD964DE4C33}" type="datetimeFigureOut">
               <a:rPr lang="ko-KR" altLang="en-US" smtClean="0"/>
-              <a:t>2025-05-28</a:t>
+              <a:t>2025-06-05</a:t>
             </a:fld>
             <a:endParaRPr lang="ko-KR" altLang="en-US"/>
           </a:p>
@@ -1010,7 +1010,7 @@
           <a:p>
             <a:fld id="{81F043C2-6360-4342-A6E0-CAD964DE4C33}" type="datetimeFigureOut">
               <a:rPr lang="ko-KR" altLang="en-US" smtClean="0"/>
-              <a:t>2025-05-28</a:t>
+              <a:t>2025-06-05</a:t>
             </a:fld>
             <a:endParaRPr lang="ko-KR" altLang="en-US"/>
           </a:p>
@@ -1242,7 +1242,7 @@
           <a:p>
             <a:fld id="{81F043C2-6360-4342-A6E0-CAD964DE4C33}" type="datetimeFigureOut">
               <a:rPr lang="ko-KR" altLang="en-US" smtClean="0"/>
-              <a:t>2025-05-28</a:t>
+              <a:t>2025-06-05</a:t>
             </a:fld>
             <a:endParaRPr lang="ko-KR" altLang="en-US"/>
           </a:p>
@@ -1609,7 +1609,7 @@
           <a:p>
             <a:fld id="{81F043C2-6360-4342-A6E0-CAD964DE4C33}" type="datetimeFigureOut">
               <a:rPr lang="ko-KR" altLang="en-US" smtClean="0"/>
-              <a:t>2025-05-28</a:t>
+              <a:t>2025-06-05</a:t>
             </a:fld>
             <a:endParaRPr lang="ko-KR" altLang="en-US"/>
           </a:p>
@@ -1727,7 +1727,7 @@
           <a:p>
             <a:fld id="{81F043C2-6360-4342-A6E0-CAD964DE4C33}" type="datetimeFigureOut">
               <a:rPr lang="ko-KR" altLang="en-US" smtClean="0"/>
-              <a:t>2025-05-28</a:t>
+              <a:t>2025-06-05</a:t>
             </a:fld>
             <a:endParaRPr lang="ko-KR" altLang="en-US"/>
           </a:p>
@@ -1822,7 +1822,7 @@
           <a:p>
             <a:fld id="{81F043C2-6360-4342-A6E0-CAD964DE4C33}" type="datetimeFigureOut">
               <a:rPr lang="ko-KR" altLang="en-US" smtClean="0"/>
-              <a:t>2025-05-28</a:t>
+              <a:t>2025-06-05</a:t>
             </a:fld>
             <a:endParaRPr lang="ko-KR" altLang="en-US"/>
           </a:p>
@@ -2099,7 +2099,7 @@
           <a:p>
             <a:fld id="{81F043C2-6360-4342-A6E0-CAD964DE4C33}" type="datetimeFigureOut">
               <a:rPr lang="ko-KR" altLang="en-US" smtClean="0"/>
-              <a:t>2025-05-28</a:t>
+              <a:t>2025-06-05</a:t>
             </a:fld>
             <a:endParaRPr lang="ko-KR" altLang="en-US"/>
           </a:p>
@@ -2356,7 +2356,7 @@
           <a:p>
             <a:fld id="{81F043C2-6360-4342-A6E0-CAD964DE4C33}" type="datetimeFigureOut">
               <a:rPr lang="ko-KR" altLang="en-US" smtClean="0"/>
-              <a:t>2025-05-28</a:t>
+              <a:t>2025-06-05</a:t>
             </a:fld>
             <a:endParaRPr lang="ko-KR" altLang="en-US"/>
           </a:p>
@@ -2569,7 +2569,7 @@
           <a:p>
             <a:fld id="{81F043C2-6360-4342-A6E0-CAD964DE4C33}" type="datetimeFigureOut">
               <a:rPr lang="ko-KR" altLang="en-US" smtClean="0"/>
-              <a:t>2025-05-28</a:t>
+              <a:t>2025-06-05</a:t>
             </a:fld>
             <a:endParaRPr lang="ko-KR" altLang="en-US"/>
           </a:p>
@@ -3328,7 +3328,7 @@
         </p:nvCxnSpPr>
         <p:spPr>
           <a:xfrm flipH="1">
-            <a:off x="4198112" y="1211580"/>
+            <a:off x="4198112" y="1287836"/>
             <a:ext cx="7567168" cy="0"/>
           </a:xfrm>
           <a:prstGeom prst="straightConnector1">
@@ -3371,7 +3371,7 @@
         </p:nvSpPr>
         <p:spPr>
           <a:xfrm>
-            <a:off x="9204010" y="1211579"/>
+            <a:off x="9204010" y="1287835"/>
             <a:ext cx="1338956" cy="307777"/>
           </a:xfrm>
           <a:prstGeom prst="rect">
@@ -3412,7 +3412,7 @@
         </p:nvCxnSpPr>
         <p:spPr>
           <a:xfrm>
-            <a:off x="4198112" y="1634490"/>
+            <a:off x="4198112" y="1710746"/>
             <a:ext cx="7567168" cy="0"/>
           </a:xfrm>
           <a:prstGeom prst="straightConnector1">
@@ -3455,7 +3455,7 @@
         </p:nvSpPr>
         <p:spPr>
           <a:xfrm>
-            <a:off x="5166350" y="1634490"/>
+            <a:off x="5166350" y="1710746"/>
             <a:ext cx="1847109" cy="307777"/>
           </a:xfrm>
           <a:prstGeom prst="rect">
@@ -3509,7 +3509,7 @@
         </p:nvCxnSpPr>
         <p:spPr>
           <a:xfrm flipH="1">
-            <a:off x="414528" y="2057400"/>
+            <a:off x="414528" y="2133656"/>
             <a:ext cx="3795775" cy="0"/>
           </a:xfrm>
           <a:prstGeom prst="straightConnector1">
@@ -3552,7 +3552,7 @@
         </p:nvSpPr>
         <p:spPr>
           <a:xfrm>
-            <a:off x="1649033" y="2057399"/>
+            <a:off x="1649033" y="2133655"/>
             <a:ext cx="939809" cy="307777"/>
           </a:xfrm>
           <a:prstGeom prst="rect">
@@ -3675,7 +3675,7 @@
         </p:nvCxnSpPr>
         <p:spPr>
           <a:xfrm flipH="1">
-            <a:off x="4198112" y="2491740"/>
+            <a:off x="4198112" y="2803827"/>
             <a:ext cx="7567168" cy="0"/>
           </a:xfrm>
           <a:prstGeom prst="straightConnector1">
@@ -3718,7 +3718,7 @@
         </p:nvSpPr>
         <p:spPr>
           <a:xfrm>
-            <a:off x="8208160" y="2491739"/>
+            <a:off x="8208160" y="2803826"/>
             <a:ext cx="3330655" cy="954107"/>
           </a:xfrm>
           <a:prstGeom prst="rect">
@@ -3743,8 +3743,16 @@
               <a:t>- </a:t>
             </a:r>
             <a:r>
-              <a:rPr lang="ko-KR" altLang="en-US" sz="1400" dirty="0" err="1"/>
-              <a:t>온습도</a:t>
+              <a:rPr lang="ko-KR" altLang="en-US" sz="1400" dirty="0"/>
+              <a:t>온도</a:t>
+            </a:r>
+            <a:r>
+              <a:rPr lang="en-US" altLang="ko-KR" sz="1400" dirty="0"/>
+              <a:t>, </a:t>
+            </a:r>
+            <a:r>
+              <a:rPr lang="ko-KR" altLang="en-US" sz="1400" dirty="0"/>
+              <a:t>습도</a:t>
             </a:r>
             <a:r>
               <a:rPr lang="en-US" altLang="ko-KR" sz="1400" dirty="0"/>
@@ -3846,7 +3854,7 @@
         </p:nvCxnSpPr>
         <p:spPr>
           <a:xfrm flipH="1">
-            <a:off x="414528" y="2903221"/>
+            <a:off x="414528" y="3215308"/>
             <a:ext cx="3795775" cy="0"/>
           </a:xfrm>
           <a:prstGeom prst="straightConnector1">
@@ -3889,7 +3897,7 @@
         </p:nvSpPr>
         <p:spPr>
           <a:xfrm>
-            <a:off x="1458338" y="2903220"/>
+            <a:off x="1458338" y="3215307"/>
             <a:ext cx="1321196" cy="307777"/>
           </a:xfrm>
           <a:prstGeom prst="rect">
@@ -3930,7 +3938,7 @@
         </p:nvCxnSpPr>
         <p:spPr>
           <a:xfrm>
-            <a:off x="4198112" y="3576576"/>
+            <a:off x="4198112" y="3888663"/>
             <a:ext cx="7567168" cy="0"/>
           </a:xfrm>
           <a:prstGeom prst="straightConnector1">
@@ -3973,8 +3981,8 @@
         </p:nvSpPr>
         <p:spPr>
           <a:xfrm>
-            <a:off x="5100695" y="3576576"/>
-            <a:ext cx="1990610" cy="307777"/>
+            <a:off x="4670975" y="3888663"/>
+            <a:ext cx="2859437" cy="523220"/>
           </a:xfrm>
           <a:prstGeom prst="rect">
             <a:avLst/>
@@ -3988,21 +3996,56 @@
           <a:lstStyle/>
           <a:p>
             <a:r>
+              <a:rPr lang="ko-KR" altLang="en-US" sz="1400" dirty="0"/>
+              <a:t>선풍기</a:t>
+            </a:r>
+            <a:r>
               <a:rPr lang="en-US" altLang="ko-KR" sz="1400" dirty="0"/>
-              <a:t>DB</a:t>
+              <a:t>, </a:t>
             </a:r>
             <a:r>
               <a:rPr lang="ko-KR" altLang="en-US" sz="1400" dirty="0"/>
-              <a:t>에서 </a:t>
+              <a:t>창문</a:t>
             </a:r>
             <a:r>
               <a:rPr lang="en-US" altLang="ko-KR" sz="1400" dirty="0"/>
-              <a:t>CCU Status </a:t>
+              <a:t>, </a:t>
             </a:r>
             <a:r>
               <a:rPr lang="ko-KR" altLang="en-US" sz="1400" dirty="0"/>
-              <a:t>전달</a:t>
-            </a:r>
+              <a:t>내부 조명 </a:t>
+            </a:r>
+            <a:r>
+              <a:rPr lang="en-US" altLang="ko-KR" sz="1400" dirty="0"/>
+              <a:t>Status (DB)</a:t>
+            </a:r>
+          </a:p>
+          <a:p>
+            <a:r>
+              <a:rPr lang="ko-KR" altLang="en-US" sz="1400" dirty="0"/>
+              <a:t>온도</a:t>
+            </a:r>
+            <a:r>
+              <a:rPr lang="en-US" altLang="ko-KR" sz="1400" dirty="0"/>
+              <a:t>, </a:t>
+            </a:r>
+            <a:r>
+              <a:rPr lang="ko-KR" altLang="en-US" sz="1400" dirty="0"/>
+              <a:t>습도</a:t>
+            </a:r>
+            <a:r>
+              <a:rPr lang="en-US" altLang="ko-KR" sz="1400" dirty="0"/>
+              <a:t>, </a:t>
+            </a:r>
+            <a:r>
+              <a:rPr lang="ko-KR" altLang="en-US" sz="1400" dirty="0"/>
+              <a:t>조도 </a:t>
+            </a:r>
+            <a:r>
+              <a:rPr lang="en-US" altLang="ko-KR" sz="1400" dirty="0"/>
+              <a:t>Status (CCU)</a:t>
+            </a:r>
+            <a:endParaRPr lang="ko-KR" altLang="en-US" sz="1400" dirty="0"/>
           </a:p>
         </p:txBody>
       </p:sp>
@@ -4022,7 +4065,7 @@
         </p:nvCxnSpPr>
         <p:spPr>
           <a:xfrm flipH="1">
-            <a:off x="4173731" y="4136861"/>
+            <a:off x="4173731" y="4877358"/>
             <a:ext cx="3795775" cy="0"/>
           </a:xfrm>
           <a:prstGeom prst="straightConnector1">
@@ -4065,7 +4108,7 @@
         </p:nvSpPr>
         <p:spPr>
           <a:xfrm>
-            <a:off x="5420427" y="4136860"/>
+            <a:off x="5420427" y="4877357"/>
             <a:ext cx="1320683" cy="307777"/>
           </a:xfrm>
           <a:prstGeom prst="rect">
@@ -4106,7 +4149,7 @@
         </p:nvCxnSpPr>
         <p:spPr>
           <a:xfrm>
-            <a:off x="4198112" y="4661412"/>
+            <a:off x="4198112" y="5401909"/>
             <a:ext cx="3783584" cy="0"/>
           </a:xfrm>
           <a:prstGeom prst="straightConnector1">
@@ -4149,7 +4192,7 @@
         </p:nvSpPr>
         <p:spPr>
           <a:xfrm>
-            <a:off x="5440353" y="4661412"/>
+            <a:off x="5440353" y="5401909"/>
             <a:ext cx="1320683" cy="307777"/>
           </a:xfrm>
           <a:prstGeom prst="rect">
@@ -4194,7 +4237,7 @@
         </p:nvCxnSpPr>
         <p:spPr>
           <a:xfrm flipH="1">
-            <a:off x="4173731" y="5183338"/>
+            <a:off x="4173731" y="5923835"/>
             <a:ext cx="3795775" cy="0"/>
           </a:xfrm>
           <a:prstGeom prst="straightConnector1">
@@ -4237,7 +4280,7 @@
         </p:nvSpPr>
         <p:spPr>
           <a:xfrm>
-            <a:off x="5420427" y="5183337"/>
+            <a:off x="5420427" y="5923834"/>
             <a:ext cx="1520353" cy="307777"/>
           </a:xfrm>
           <a:prstGeom prst="rect">
@@ -4278,7 +4321,7 @@
         </p:nvCxnSpPr>
         <p:spPr>
           <a:xfrm flipH="1">
-            <a:off x="414528" y="5612131"/>
+            <a:off x="414528" y="6352628"/>
             <a:ext cx="3795775" cy="0"/>
           </a:xfrm>
           <a:prstGeom prst="straightConnector1">
@@ -4321,7 +4364,7 @@
         </p:nvSpPr>
         <p:spPr>
           <a:xfrm>
-            <a:off x="1484913" y="5612130"/>
+            <a:off x="1484913" y="6352627"/>
             <a:ext cx="1655005" cy="307777"/>
           </a:xfrm>
           <a:prstGeom prst="rect">
@@ -4340,6 +4383,90 @@
               <a:t>Cage Sensor Control</a:t>
             </a:r>
             <a:endParaRPr lang="ko-KR" altLang="en-US" sz="1400" dirty="0"/>
+          </a:p>
+        </p:txBody>
+      </p:sp>
+      <p:cxnSp>
+        <p:nvCxnSpPr>
+          <p:cNvPr id="2" name="직선 화살표 연결선 1">
+            <a:extLst>
+              <a:ext uri="{FF2B5EF4-FFF2-40B4-BE49-F238E27FC236}">
+                <a16:creationId xmlns:a16="http://schemas.microsoft.com/office/drawing/2014/main" id="{894E3A6A-DF78-153D-239F-956A3A7C7563}"/>
+              </a:ext>
+            </a:extLst>
+          </p:cNvPr>
+          <p:cNvCxnSpPr>
+            <a:cxnSpLocks/>
+          </p:cNvCxnSpPr>
+          <p:nvPr/>
+        </p:nvCxnSpPr>
+        <p:spPr>
+          <a:xfrm>
+            <a:off x="414528" y="3626787"/>
+            <a:ext cx="3795775" cy="0"/>
+          </a:xfrm>
+          <a:prstGeom prst="straightConnector1">
+            <a:avLst/>
+          </a:prstGeom>
+          <a:ln w="38100">
+            <a:solidFill>
+              <a:schemeClr val="accent1"/>
+            </a:solidFill>
+            <a:headEnd type="none" w="med" len="med"/>
+            <a:tailEnd type="arrow" w="med" len="med"/>
+          </a:ln>
+        </p:spPr>
+        <p:style>
+          <a:lnRef idx="1">
+            <a:schemeClr val="accent1"/>
+          </a:lnRef>
+          <a:fillRef idx="0">
+            <a:schemeClr val="accent1"/>
+          </a:fillRef>
+          <a:effectRef idx="0">
+            <a:schemeClr val="accent1"/>
+          </a:effectRef>
+          <a:fontRef idx="minor">
+            <a:schemeClr val="tx1"/>
+          </a:fontRef>
+        </p:style>
+      </p:cxnSp>
+      <p:sp>
+        <p:nvSpPr>
+          <p:cNvPr id="3" name="TextBox 2">
+            <a:extLst>
+              <a:ext uri="{FF2B5EF4-FFF2-40B4-BE49-F238E27FC236}">
+                <a16:creationId xmlns:a16="http://schemas.microsoft.com/office/drawing/2014/main" id="{24FB6D86-1626-1CE3-0076-D27BE18AFB8A}"/>
+              </a:ext>
+            </a:extLst>
+          </p:cNvPr>
+          <p:cNvSpPr txBox="1"/>
+          <p:nvPr/>
+        </p:nvSpPr>
+        <p:spPr>
+          <a:xfrm>
+            <a:off x="1934032" y="3626787"/>
+            <a:ext cx="924612" cy="307777"/>
+          </a:xfrm>
+          <a:prstGeom prst="rect">
+            <a:avLst/>
+          </a:prstGeom>
+          <a:noFill/>
+        </p:spPr>
+        <p:txBody>
+          <a:bodyPr wrap="none" rtlCol="0">
+            <a:spAutoFit/>
+          </a:bodyPr>
+          <a:lstStyle/>
+          <a:p>
+            <a:r>
+              <a:rPr lang="en-US" altLang="ko-KR" sz="1400"/>
+              <a:t>Data</a:t>
+            </a:r>
+            <a:r>
+              <a:rPr lang="ko-KR" altLang="en-US" sz="1400" dirty="0"/>
+              <a:t> 전달</a:t>
+            </a:r>
           </a:p>
         </p:txBody>
       </p:sp>
